--- a/CalendarioAgo25/presentaciones/14_POO.pptx
+++ b/CalendarioAgo25/presentaciones/14_POO.pptx
@@ -5,7 +5,7 @@
     <p:sldMasterId id="2147483648" r:id="rId1"/>
   </p:sldMasterIdLst>
   <p:notesMasterIdLst>
-    <p:notesMasterId r:id="rId59"/>
+    <p:notesMasterId r:id="rId60"/>
   </p:notesMasterIdLst>
   <p:sldIdLst>
     <p:sldId id="293" r:id="rId2"/>
@@ -52,19 +52,20 @@
     <p:sldId id="634" r:id="rId43"/>
     <p:sldId id="669" r:id="rId44"/>
     <p:sldId id="668" r:id="rId45"/>
-    <p:sldId id="571" r:id="rId46"/>
-    <p:sldId id="572" r:id="rId47"/>
-    <p:sldId id="573" r:id="rId48"/>
-    <p:sldId id="576" r:id="rId49"/>
-    <p:sldId id="577" r:id="rId50"/>
-    <p:sldId id="579" r:id="rId51"/>
-    <p:sldId id="580" r:id="rId52"/>
-    <p:sldId id="583" r:id="rId53"/>
-    <p:sldId id="584" r:id="rId54"/>
-    <p:sldId id="581" r:id="rId55"/>
-    <p:sldId id="586" r:id="rId56"/>
-    <p:sldId id="671" r:id="rId57"/>
-    <p:sldId id="282" r:id="rId58"/>
+    <p:sldId id="673" r:id="rId46"/>
+    <p:sldId id="674" r:id="rId47"/>
+    <p:sldId id="675" r:id="rId48"/>
+    <p:sldId id="676" r:id="rId49"/>
+    <p:sldId id="677" r:id="rId50"/>
+    <p:sldId id="678" r:id="rId51"/>
+    <p:sldId id="679" r:id="rId52"/>
+    <p:sldId id="680" r:id="rId53"/>
+    <p:sldId id="681" r:id="rId54"/>
+    <p:sldId id="682" r:id="rId55"/>
+    <p:sldId id="683" r:id="rId56"/>
+    <p:sldId id="684" r:id="rId57"/>
+    <p:sldId id="686" r:id="rId58"/>
+    <p:sldId id="685" r:id="rId59"/>
   </p:sldIdLst>
   <p:sldSz cx="9144000" cy="6858000" type="screen4x3"/>
   <p:notesSz cx="6858000" cy="9144000"/>
@@ -182,6 +183,239 @@
 </p:presentation>
 </file>
 
+<file path=ppt/revisionInfo.xml><?xml version="1.0" encoding="utf-8"?>
+<p1510:revInfo xmlns:a="http://schemas.openxmlformats.org/drawingml/2006/main" xmlns:r="http://schemas.openxmlformats.org/officeDocument/2006/relationships" xmlns:p1510="http://schemas.microsoft.com/office/powerpoint/2015/10/main">
+  <p1510:revLst>
+    <p1510:client id="{0F29E0D4-8E88-4D76-AE39-EF909E2F5EE7}" v="3" dt="2025-08-29T16:41:23.982"/>
+  </p1510:revLst>
+</p1510:revInfo>
+</file>
+
+<file path=ppt/changesInfos/changesInfo1.xml><?xml version="1.0" encoding="utf-8"?>
+<pc:chgInfo xmlns:a="http://schemas.openxmlformats.org/drawingml/2006/main" xmlns:r="http://schemas.openxmlformats.org/officeDocument/2006/relationships" xmlns:ac="http://schemas.microsoft.com/office/drawing/2013/main/command" xmlns:pc="http://schemas.microsoft.com/office/powerpoint/2013/main/command">
+  <pc:docChgLst>
+    <pc:chgData name="Lizethe Pérez Fuertes" userId="4ae9ef87-2a7d-42f8-8dfa-0a501a9e2ff4" providerId="ADAL" clId="{FDDD45CB-1330-4033-A842-3D2746AFF7C7}"/>
+    <pc:docChg chg="undo custSel addSld delSld modSld">
+      <pc:chgData name="Lizethe Pérez Fuertes" userId="4ae9ef87-2a7d-42f8-8dfa-0a501a9e2ff4" providerId="ADAL" clId="{FDDD45CB-1330-4033-A842-3D2746AFF7C7}" dt="2025-08-29T16:41:23.962" v="5"/>
+      <pc:docMkLst>
+        <pc:docMk/>
+      </pc:docMkLst>
+      <pc:sldChg chg="add del">
+        <pc:chgData name="Lizethe Pérez Fuertes" userId="4ae9ef87-2a7d-42f8-8dfa-0a501a9e2ff4" providerId="ADAL" clId="{FDDD45CB-1330-4033-A842-3D2746AFF7C7}" dt="2025-08-29T16:41:21.652" v="4" actId="47"/>
+        <pc:sldMkLst>
+          <pc:docMk/>
+          <pc:sldMk cId="0" sldId="282"/>
+        </pc:sldMkLst>
+      </pc:sldChg>
+      <pc:sldChg chg="add del">
+        <pc:chgData name="Lizethe Pérez Fuertes" userId="4ae9ef87-2a7d-42f8-8dfa-0a501a9e2ff4" providerId="ADAL" clId="{FDDD45CB-1330-4033-A842-3D2746AFF7C7}" dt="2025-08-29T16:41:21.652" v="4" actId="47"/>
+        <pc:sldMkLst>
+          <pc:docMk/>
+          <pc:sldMk cId="2025924933" sldId="571"/>
+        </pc:sldMkLst>
+      </pc:sldChg>
+      <pc:sldChg chg="add del">
+        <pc:chgData name="Lizethe Pérez Fuertes" userId="4ae9ef87-2a7d-42f8-8dfa-0a501a9e2ff4" providerId="ADAL" clId="{FDDD45CB-1330-4033-A842-3D2746AFF7C7}" dt="2025-08-29T16:41:21.652" v="4" actId="47"/>
+        <pc:sldMkLst>
+          <pc:docMk/>
+          <pc:sldMk cId="3946658930" sldId="572"/>
+        </pc:sldMkLst>
+      </pc:sldChg>
+      <pc:sldChg chg="add del">
+        <pc:chgData name="Lizethe Pérez Fuertes" userId="4ae9ef87-2a7d-42f8-8dfa-0a501a9e2ff4" providerId="ADAL" clId="{FDDD45CB-1330-4033-A842-3D2746AFF7C7}" dt="2025-08-29T16:41:21.652" v="4" actId="47"/>
+        <pc:sldMkLst>
+          <pc:docMk/>
+          <pc:sldMk cId="1227542179" sldId="573"/>
+        </pc:sldMkLst>
+      </pc:sldChg>
+      <pc:sldChg chg="add del">
+        <pc:chgData name="Lizethe Pérez Fuertes" userId="4ae9ef87-2a7d-42f8-8dfa-0a501a9e2ff4" providerId="ADAL" clId="{FDDD45CB-1330-4033-A842-3D2746AFF7C7}" dt="2025-08-29T16:41:21.652" v="4" actId="47"/>
+        <pc:sldMkLst>
+          <pc:docMk/>
+          <pc:sldMk cId="3285934696" sldId="576"/>
+        </pc:sldMkLst>
+      </pc:sldChg>
+      <pc:sldChg chg="add del">
+        <pc:chgData name="Lizethe Pérez Fuertes" userId="4ae9ef87-2a7d-42f8-8dfa-0a501a9e2ff4" providerId="ADAL" clId="{FDDD45CB-1330-4033-A842-3D2746AFF7C7}" dt="2025-08-29T16:41:21.652" v="4" actId="47"/>
+        <pc:sldMkLst>
+          <pc:docMk/>
+          <pc:sldMk cId="1685158566" sldId="577"/>
+        </pc:sldMkLst>
+      </pc:sldChg>
+      <pc:sldChg chg="add del">
+        <pc:chgData name="Lizethe Pérez Fuertes" userId="4ae9ef87-2a7d-42f8-8dfa-0a501a9e2ff4" providerId="ADAL" clId="{FDDD45CB-1330-4033-A842-3D2746AFF7C7}" dt="2025-08-29T16:41:21.652" v="4" actId="47"/>
+        <pc:sldMkLst>
+          <pc:docMk/>
+          <pc:sldMk cId="2989575408" sldId="579"/>
+        </pc:sldMkLst>
+      </pc:sldChg>
+      <pc:sldChg chg="add del">
+        <pc:chgData name="Lizethe Pérez Fuertes" userId="4ae9ef87-2a7d-42f8-8dfa-0a501a9e2ff4" providerId="ADAL" clId="{FDDD45CB-1330-4033-A842-3D2746AFF7C7}" dt="2025-08-29T16:41:21.652" v="4" actId="47"/>
+        <pc:sldMkLst>
+          <pc:docMk/>
+          <pc:sldMk cId="2251645235" sldId="580"/>
+        </pc:sldMkLst>
+      </pc:sldChg>
+      <pc:sldChg chg="add del">
+        <pc:chgData name="Lizethe Pérez Fuertes" userId="4ae9ef87-2a7d-42f8-8dfa-0a501a9e2ff4" providerId="ADAL" clId="{FDDD45CB-1330-4033-A842-3D2746AFF7C7}" dt="2025-08-29T16:41:21.652" v="4" actId="47"/>
+        <pc:sldMkLst>
+          <pc:docMk/>
+          <pc:sldMk cId="2121315118" sldId="581"/>
+        </pc:sldMkLst>
+      </pc:sldChg>
+      <pc:sldChg chg="add del">
+        <pc:chgData name="Lizethe Pérez Fuertes" userId="4ae9ef87-2a7d-42f8-8dfa-0a501a9e2ff4" providerId="ADAL" clId="{FDDD45CB-1330-4033-A842-3D2746AFF7C7}" dt="2025-08-29T16:41:21.652" v="4" actId="47"/>
+        <pc:sldMkLst>
+          <pc:docMk/>
+          <pc:sldMk cId="1948161739" sldId="583"/>
+        </pc:sldMkLst>
+      </pc:sldChg>
+      <pc:sldChg chg="add del">
+        <pc:chgData name="Lizethe Pérez Fuertes" userId="4ae9ef87-2a7d-42f8-8dfa-0a501a9e2ff4" providerId="ADAL" clId="{FDDD45CB-1330-4033-A842-3D2746AFF7C7}" dt="2025-08-29T16:41:21.652" v="4" actId="47"/>
+        <pc:sldMkLst>
+          <pc:docMk/>
+          <pc:sldMk cId="1517661690" sldId="584"/>
+        </pc:sldMkLst>
+      </pc:sldChg>
+      <pc:sldChg chg="add del">
+        <pc:chgData name="Lizethe Pérez Fuertes" userId="4ae9ef87-2a7d-42f8-8dfa-0a501a9e2ff4" providerId="ADAL" clId="{FDDD45CB-1330-4033-A842-3D2746AFF7C7}" dt="2025-08-29T16:41:21.652" v="4" actId="47"/>
+        <pc:sldMkLst>
+          <pc:docMk/>
+          <pc:sldMk cId="173049240" sldId="586"/>
+        </pc:sldMkLst>
+      </pc:sldChg>
+      <pc:sldChg chg="add del">
+        <pc:chgData name="Lizethe Pérez Fuertes" userId="4ae9ef87-2a7d-42f8-8dfa-0a501a9e2ff4" providerId="ADAL" clId="{FDDD45CB-1330-4033-A842-3D2746AFF7C7}" dt="2025-08-29T16:41:13.665" v="3" actId="47"/>
+        <pc:sldMkLst>
+          <pc:docMk/>
+          <pc:sldMk cId="2170577136" sldId="668"/>
+        </pc:sldMkLst>
+      </pc:sldChg>
+      <pc:sldChg chg="add del">
+        <pc:chgData name="Lizethe Pérez Fuertes" userId="4ae9ef87-2a7d-42f8-8dfa-0a501a9e2ff4" providerId="ADAL" clId="{FDDD45CB-1330-4033-A842-3D2746AFF7C7}" dt="2025-08-29T16:41:21.652" v="4" actId="47"/>
+        <pc:sldMkLst>
+          <pc:docMk/>
+          <pc:sldMk cId="699657367" sldId="671"/>
+        </pc:sldMkLst>
+      </pc:sldChg>
+      <pc:sldChg chg="add del">
+        <pc:chgData name="Lizethe Pérez Fuertes" userId="4ae9ef87-2a7d-42f8-8dfa-0a501a9e2ff4" providerId="ADAL" clId="{FDDD45CB-1330-4033-A842-3D2746AFF7C7}" dt="2025-08-29T16:41:23.962" v="5"/>
+        <pc:sldMkLst>
+          <pc:docMk/>
+          <pc:sldMk cId="358889480" sldId="673"/>
+        </pc:sldMkLst>
+      </pc:sldChg>
+      <pc:sldChg chg="add del">
+        <pc:chgData name="Lizethe Pérez Fuertes" userId="4ae9ef87-2a7d-42f8-8dfa-0a501a9e2ff4" providerId="ADAL" clId="{FDDD45CB-1330-4033-A842-3D2746AFF7C7}" dt="2025-08-29T16:41:23.962" v="5"/>
+        <pc:sldMkLst>
+          <pc:docMk/>
+          <pc:sldMk cId="290636224" sldId="674"/>
+        </pc:sldMkLst>
+      </pc:sldChg>
+      <pc:sldChg chg="add del">
+        <pc:chgData name="Lizethe Pérez Fuertes" userId="4ae9ef87-2a7d-42f8-8dfa-0a501a9e2ff4" providerId="ADAL" clId="{FDDD45CB-1330-4033-A842-3D2746AFF7C7}" dt="2025-08-29T16:41:23.962" v="5"/>
+        <pc:sldMkLst>
+          <pc:docMk/>
+          <pc:sldMk cId="2327857030" sldId="675"/>
+        </pc:sldMkLst>
+      </pc:sldChg>
+      <pc:sldChg chg="add del">
+        <pc:chgData name="Lizethe Pérez Fuertes" userId="4ae9ef87-2a7d-42f8-8dfa-0a501a9e2ff4" providerId="ADAL" clId="{FDDD45CB-1330-4033-A842-3D2746AFF7C7}" dt="2025-08-29T16:41:23.962" v="5"/>
+        <pc:sldMkLst>
+          <pc:docMk/>
+          <pc:sldMk cId="109054117" sldId="676"/>
+        </pc:sldMkLst>
+      </pc:sldChg>
+      <pc:sldChg chg="add del">
+        <pc:chgData name="Lizethe Pérez Fuertes" userId="4ae9ef87-2a7d-42f8-8dfa-0a501a9e2ff4" providerId="ADAL" clId="{FDDD45CB-1330-4033-A842-3D2746AFF7C7}" dt="2025-08-29T16:41:23.962" v="5"/>
+        <pc:sldMkLst>
+          <pc:docMk/>
+          <pc:sldMk cId="1681350111" sldId="677"/>
+        </pc:sldMkLst>
+      </pc:sldChg>
+      <pc:sldChg chg="add del">
+        <pc:chgData name="Lizethe Pérez Fuertes" userId="4ae9ef87-2a7d-42f8-8dfa-0a501a9e2ff4" providerId="ADAL" clId="{FDDD45CB-1330-4033-A842-3D2746AFF7C7}" dt="2025-08-29T16:41:23.962" v="5"/>
+        <pc:sldMkLst>
+          <pc:docMk/>
+          <pc:sldMk cId="624747281" sldId="678"/>
+        </pc:sldMkLst>
+      </pc:sldChg>
+      <pc:sldChg chg="add del">
+        <pc:chgData name="Lizethe Pérez Fuertes" userId="4ae9ef87-2a7d-42f8-8dfa-0a501a9e2ff4" providerId="ADAL" clId="{FDDD45CB-1330-4033-A842-3D2746AFF7C7}" dt="2025-08-29T16:41:23.962" v="5"/>
+        <pc:sldMkLst>
+          <pc:docMk/>
+          <pc:sldMk cId="1660404791" sldId="679"/>
+        </pc:sldMkLst>
+      </pc:sldChg>
+      <pc:sldChg chg="add del">
+        <pc:chgData name="Lizethe Pérez Fuertes" userId="4ae9ef87-2a7d-42f8-8dfa-0a501a9e2ff4" providerId="ADAL" clId="{FDDD45CB-1330-4033-A842-3D2746AFF7C7}" dt="2025-08-29T16:41:23.962" v="5"/>
+        <pc:sldMkLst>
+          <pc:docMk/>
+          <pc:sldMk cId="347609087" sldId="680"/>
+        </pc:sldMkLst>
+      </pc:sldChg>
+      <pc:sldChg chg="add del">
+        <pc:chgData name="Lizethe Pérez Fuertes" userId="4ae9ef87-2a7d-42f8-8dfa-0a501a9e2ff4" providerId="ADAL" clId="{FDDD45CB-1330-4033-A842-3D2746AFF7C7}" dt="2025-08-29T16:41:23.962" v="5"/>
+        <pc:sldMkLst>
+          <pc:docMk/>
+          <pc:sldMk cId="1369060848" sldId="681"/>
+        </pc:sldMkLst>
+      </pc:sldChg>
+      <pc:sldChg chg="add del">
+        <pc:chgData name="Lizethe Pérez Fuertes" userId="4ae9ef87-2a7d-42f8-8dfa-0a501a9e2ff4" providerId="ADAL" clId="{FDDD45CB-1330-4033-A842-3D2746AFF7C7}" dt="2025-08-29T16:41:23.962" v="5"/>
+        <pc:sldMkLst>
+          <pc:docMk/>
+          <pc:sldMk cId="594770524" sldId="682"/>
+        </pc:sldMkLst>
+      </pc:sldChg>
+      <pc:sldChg chg="add del">
+        <pc:chgData name="Lizethe Pérez Fuertes" userId="4ae9ef87-2a7d-42f8-8dfa-0a501a9e2ff4" providerId="ADAL" clId="{FDDD45CB-1330-4033-A842-3D2746AFF7C7}" dt="2025-08-29T16:41:23.962" v="5"/>
+        <pc:sldMkLst>
+          <pc:docMk/>
+          <pc:sldMk cId="77490221" sldId="683"/>
+        </pc:sldMkLst>
+      </pc:sldChg>
+      <pc:sldChg chg="add del">
+        <pc:chgData name="Lizethe Pérez Fuertes" userId="4ae9ef87-2a7d-42f8-8dfa-0a501a9e2ff4" providerId="ADAL" clId="{FDDD45CB-1330-4033-A842-3D2746AFF7C7}" dt="2025-08-29T16:41:23.962" v="5"/>
+        <pc:sldMkLst>
+          <pc:docMk/>
+          <pc:sldMk cId="3145197380" sldId="684"/>
+        </pc:sldMkLst>
+      </pc:sldChg>
+      <pc:sldChg chg="add del">
+        <pc:chgData name="Lizethe Pérez Fuertes" userId="4ae9ef87-2a7d-42f8-8dfa-0a501a9e2ff4" providerId="ADAL" clId="{FDDD45CB-1330-4033-A842-3D2746AFF7C7}" dt="2025-08-29T16:41:23.962" v="5"/>
+        <pc:sldMkLst>
+          <pc:docMk/>
+          <pc:sldMk cId="0" sldId="685"/>
+        </pc:sldMkLst>
+      </pc:sldChg>
+      <pc:sldChg chg="add del">
+        <pc:chgData name="Lizethe Pérez Fuertes" userId="4ae9ef87-2a7d-42f8-8dfa-0a501a9e2ff4" providerId="ADAL" clId="{FDDD45CB-1330-4033-A842-3D2746AFF7C7}" dt="2025-08-29T16:41:23.962" v="5"/>
+        <pc:sldMkLst>
+          <pc:docMk/>
+          <pc:sldMk cId="1529927900" sldId="686"/>
+        </pc:sldMkLst>
+      </pc:sldChg>
+      <pc:sldMasterChg chg="addSldLayout delSldLayout">
+        <pc:chgData name="Lizethe Pérez Fuertes" userId="4ae9ef87-2a7d-42f8-8dfa-0a501a9e2ff4" providerId="ADAL" clId="{FDDD45CB-1330-4033-A842-3D2746AFF7C7}" dt="2025-08-29T16:41:21.652" v="4" actId="47"/>
+        <pc:sldMasterMkLst>
+          <pc:docMk/>
+          <pc:sldMasterMk cId="2264661585" sldId="2147483648"/>
+        </pc:sldMasterMkLst>
+        <pc:sldLayoutChg chg="add del">
+          <pc:chgData name="Lizethe Pérez Fuertes" userId="4ae9ef87-2a7d-42f8-8dfa-0a501a9e2ff4" providerId="ADAL" clId="{FDDD45CB-1330-4033-A842-3D2746AFF7C7}" dt="2025-08-29T16:41:21.652" v="4" actId="47"/>
+          <pc:sldLayoutMkLst>
+            <pc:docMk/>
+            <pc:sldMasterMk cId="2264661585" sldId="2147483648"/>
+            <pc:sldLayoutMk cId="1335315867" sldId="2147483660"/>
+          </pc:sldLayoutMkLst>
+        </pc:sldLayoutChg>
+      </pc:sldMasterChg>
+    </pc:docChg>
+  </pc:docChgLst>
+</pc:chgInfo>
+</file>
+
 <file path=ppt/notesMasters/notesMaster1.xml><?xml version="1.0" encoding="utf-8"?>
 <p:notesMaster xmlns:a="http://schemas.openxmlformats.org/drawingml/2006/main" xmlns:r="http://schemas.openxmlformats.org/officeDocument/2006/relationships" xmlns:p="http://schemas.openxmlformats.org/presentationml/2006/main">
   <p:cSld>
@@ -264,7 +498,7 @@
           <a:p>
             <a:fld id="{DDE721D5-655F-45D2-B717-3C4CD78C8568}" type="datetimeFigureOut">
               <a:rPr lang="es-MX" smtClean="0"/>
-              <a:t>17/07/2025</a:t>
+              <a:t>28/08/2025</a:t>
             </a:fld>
             <a:endParaRPr lang="es-MX" dirty="0"/>
           </a:p>
@@ -423,7 +657,7 @@
           <a:p>
             <a:fld id="{6BAB4312-99A1-4CE9-ACE7-4C62E9FD90EE}" type="slidenum">
               <a:rPr lang="es-MX" smtClean="0"/>
-              <a:t>‹#›</a:t>
+              <a:t>‹Nº›</a:t>
             </a:fld>
             <a:endParaRPr lang="es-MX" dirty="0"/>
           </a:p>
@@ -1183,7 +1417,7 @@
           <a:p>
             <a:fld id="{B3F3E716-CACC-4490-AD07-F24B6A68DE47}" type="datetimeFigureOut">
               <a:rPr lang="es-MX" smtClean="0"/>
-              <a:t>17/07/2025</a:t>
+              <a:t>28/08/2025</a:t>
             </a:fld>
             <a:endParaRPr lang="es-MX" dirty="0"/>
           </a:p>
@@ -1225,7 +1459,7 @@
           <a:p>
             <a:fld id="{52A58D3C-5A37-463D-B2C9-8DF65AE0B01C}" type="slidenum">
               <a:rPr lang="es-MX" smtClean="0"/>
-              <a:t>‹#›</a:t>
+              <a:t>‹Nº›</a:t>
             </a:fld>
             <a:endParaRPr lang="es-MX" dirty="0"/>
           </a:p>
@@ -1353,7 +1587,7 @@
           <a:p>
             <a:fld id="{B3F3E716-CACC-4490-AD07-F24B6A68DE47}" type="datetimeFigureOut">
               <a:rPr lang="es-MX" smtClean="0"/>
-              <a:t>17/07/2025</a:t>
+              <a:t>28/08/2025</a:t>
             </a:fld>
             <a:endParaRPr lang="es-MX" dirty="0"/>
           </a:p>
@@ -1395,7 +1629,7 @@
           <a:p>
             <a:fld id="{52A58D3C-5A37-463D-B2C9-8DF65AE0B01C}" type="slidenum">
               <a:rPr lang="es-MX" smtClean="0"/>
-              <a:t>‹#›</a:t>
+              <a:t>‹Nº›</a:t>
             </a:fld>
             <a:endParaRPr lang="es-MX" dirty="0"/>
           </a:p>
@@ -1533,7 +1767,7 @@
           <a:p>
             <a:fld id="{B3F3E716-CACC-4490-AD07-F24B6A68DE47}" type="datetimeFigureOut">
               <a:rPr lang="es-MX" smtClean="0"/>
-              <a:t>17/07/2025</a:t>
+              <a:t>28/08/2025</a:t>
             </a:fld>
             <a:endParaRPr lang="es-MX" dirty="0"/>
           </a:p>
@@ -1575,7 +1809,7 @@
           <a:p>
             <a:fld id="{52A58D3C-5A37-463D-B2C9-8DF65AE0B01C}" type="slidenum">
               <a:rPr lang="es-MX" smtClean="0"/>
-              <a:t>‹#›</a:t>
+              <a:t>‹Nº›</a:t>
             </a:fld>
             <a:endParaRPr lang="es-MX" dirty="0"/>
           </a:p>
@@ -1595,149 +1829,6 @@
 </file>
 
 <file path=ppt/slideLayouts/slideLayout12.xml><?xml version="1.0" encoding="utf-8"?>
-<p:sldLayout xmlns:a="http://schemas.openxmlformats.org/drawingml/2006/main" xmlns:r="http://schemas.openxmlformats.org/officeDocument/2006/relationships" xmlns:p="http://schemas.openxmlformats.org/presentationml/2006/main" type="obj">
-  <p:cSld name="Title Only">
-    <p:spTree>
-      <p:nvGrpSpPr>
-        <p:cNvPr id="1" name=""/>
-        <p:cNvGrpSpPr/>
-        <p:nvPr/>
-      </p:nvGrpSpPr>
-      <p:grpSpPr>
-        <a:xfrm>
-          <a:off x="0" y="0"/>
-          <a:ext cx="0" cy="0"/>
-          <a:chOff x="0" y="0"/>
-          <a:chExt cx="0" cy="0"/>
-        </a:xfrm>
-      </p:grpSpPr>
-      <p:sp>
-        <p:nvSpPr>
-          <p:cNvPr id="2" name="Holder 2"/>
-          <p:cNvSpPr>
-            <a:spLocks noGrp="1"/>
-          </p:cNvSpPr>
-          <p:nvPr>
-            <p:ph type="title"/>
-          </p:nvPr>
-        </p:nvSpPr>
-        <p:spPr/>
-        <p:txBody>
-          <a:bodyPr lIns="0" tIns="0" rIns="0" bIns="0"/>
-          <a:lstStyle/>
-          <a:p>
-            <a:endParaRPr/>
-          </a:p>
-        </p:txBody>
-      </p:sp>
-      <p:sp>
-        <p:nvSpPr>
-          <p:cNvPr id="3" name="Holder 3"/>
-          <p:cNvSpPr>
-            <a:spLocks noGrp="1"/>
-          </p:cNvSpPr>
-          <p:nvPr>
-            <p:ph type="ftr" sz="quarter" idx="5"/>
-          </p:nvPr>
-        </p:nvSpPr>
-        <p:spPr/>
-        <p:txBody>
-          <a:bodyPr lIns="0" tIns="0" rIns="0" bIns="0"/>
-          <a:lstStyle>
-            <a:lvl1pPr algn="ctr">
-              <a:defRPr>
-                <a:solidFill>
-                  <a:schemeClr val="tx1">
-                    <a:tint val="75000"/>
-                  </a:schemeClr>
-                </a:solidFill>
-              </a:defRPr>
-            </a:lvl1pPr>
-          </a:lstStyle>
-          <a:p>
-            <a:endParaRPr dirty="0"/>
-          </a:p>
-        </p:txBody>
-      </p:sp>
-      <p:sp>
-        <p:nvSpPr>
-          <p:cNvPr id="4" name="Holder 4"/>
-          <p:cNvSpPr>
-            <a:spLocks noGrp="1"/>
-          </p:cNvSpPr>
-          <p:nvPr>
-            <p:ph type="dt" sz="half" idx="6"/>
-          </p:nvPr>
-        </p:nvSpPr>
-        <p:spPr/>
-        <p:txBody>
-          <a:bodyPr lIns="0" tIns="0" rIns="0" bIns="0"/>
-          <a:lstStyle>
-            <a:lvl1pPr algn="l">
-              <a:defRPr>
-                <a:solidFill>
-                  <a:schemeClr val="tx1">
-                    <a:tint val="75000"/>
-                  </a:schemeClr>
-                </a:solidFill>
-              </a:defRPr>
-            </a:lvl1pPr>
-          </a:lstStyle>
-          <a:p>
-            <a:fld id="{1D8BD707-D9CF-40AE-B4C6-C98DA3205C09}" type="datetimeFigureOut">
-              <a:rPr lang="en-US" smtClean="0"/>
-              <a:t>7/17/2025</a:t>
-            </a:fld>
-            <a:endParaRPr lang="en-US" dirty="0"/>
-          </a:p>
-        </p:txBody>
-      </p:sp>
-      <p:sp>
-        <p:nvSpPr>
-          <p:cNvPr id="5" name="Holder 5"/>
-          <p:cNvSpPr>
-            <a:spLocks noGrp="1"/>
-          </p:cNvSpPr>
-          <p:nvPr>
-            <p:ph type="sldNum" sz="quarter" idx="7"/>
-          </p:nvPr>
-        </p:nvSpPr>
-        <p:spPr/>
-        <p:txBody>
-          <a:bodyPr lIns="0" tIns="0" rIns="0" bIns="0"/>
-          <a:lstStyle/>
-          <a:p>
-            <a:pPr marL="25400"/>
-            <a:fld id="{81D60167-4931-47E6-BA6A-407CBD079E47}" type="slidenum">
-              <a:rPr lang="es-MX" spc="-10" smtClean="0">
-                <a:solidFill>
-                  <a:srgbClr val="18BAD4"/>
-                </a:solidFill>
-                <a:cs typeface="Calibri"/>
-              </a:rPr>
-              <a:pPr marL="25400"/>
-              <a:t>‹#›</a:t>
-            </a:fld>
-            <a:endParaRPr lang="es-MX" dirty="0">
-              <a:cs typeface="Calibri"/>
-            </a:endParaRPr>
-          </a:p>
-        </p:txBody>
-      </p:sp>
-    </p:spTree>
-    <p:extLst>
-      <p:ext uri="{BB962C8B-B14F-4D97-AF65-F5344CB8AC3E}">
-        <p14:creationId xmlns:p14="http://schemas.microsoft.com/office/powerpoint/2010/main" val="1335315867"/>
-      </p:ext>
-    </p:extLst>
-  </p:cSld>
-  <p:clrMapOvr>
-    <a:masterClrMapping/>
-  </p:clrMapOvr>
-</p:sldLayout>
-</file>
-
-<file path=ppt/slideLayouts/slideLayout13.xml><?xml version="1.0" encoding="utf-8"?>
 <p:sldLayout xmlns:a="http://schemas.openxmlformats.org/drawingml/2006/main" xmlns:r="http://schemas.openxmlformats.org/officeDocument/2006/relationships" xmlns:p="http://schemas.openxmlformats.org/presentationml/2006/main" type="txAndObj">
   <p:cSld name="Título, texto y objetos">
     <p:spTree>
@@ -2015,7 +2106,7 @@
             <a:fld id="{D829B6A8-D253-4D4B-A3FA-70749FCD26F0}" type="slidenum">
               <a:rPr lang="es-ES" altLang="es-MX"/>
               <a:pPr/>
-              <a:t>‹#›</a:t>
+              <a:t>‹Nº›</a:t>
             </a:fld>
             <a:endParaRPr lang="es-ES" altLang="es-MX" dirty="0"/>
           </a:p>
@@ -2025,6 +2116,149 @@
     <p:extLst>
       <p:ext uri="{BB962C8B-B14F-4D97-AF65-F5344CB8AC3E}">
         <p14:creationId xmlns:p14="http://schemas.microsoft.com/office/powerpoint/2010/main" val="1425442998"/>
+      </p:ext>
+    </p:extLst>
+  </p:cSld>
+  <p:clrMapOvr>
+    <a:masterClrMapping/>
+  </p:clrMapOvr>
+</p:sldLayout>
+</file>
+
+<file path=ppt/slideLayouts/slideLayout13.xml><?xml version="1.0" encoding="utf-8"?>
+<p:sldLayout xmlns:a="http://schemas.openxmlformats.org/drawingml/2006/main" xmlns:r="http://schemas.openxmlformats.org/officeDocument/2006/relationships" xmlns:p="http://schemas.openxmlformats.org/presentationml/2006/main" type="obj">
+  <p:cSld name="Title Only">
+    <p:spTree>
+      <p:nvGrpSpPr>
+        <p:cNvPr id="1" name=""/>
+        <p:cNvGrpSpPr/>
+        <p:nvPr/>
+      </p:nvGrpSpPr>
+      <p:grpSpPr>
+        <a:xfrm>
+          <a:off x="0" y="0"/>
+          <a:ext cx="0" cy="0"/>
+          <a:chOff x="0" y="0"/>
+          <a:chExt cx="0" cy="0"/>
+        </a:xfrm>
+      </p:grpSpPr>
+      <p:sp>
+        <p:nvSpPr>
+          <p:cNvPr id="2" name="Holder 2"/>
+          <p:cNvSpPr>
+            <a:spLocks noGrp="1"/>
+          </p:cNvSpPr>
+          <p:nvPr>
+            <p:ph type="title"/>
+          </p:nvPr>
+        </p:nvSpPr>
+        <p:spPr/>
+        <p:txBody>
+          <a:bodyPr lIns="0" tIns="0" rIns="0" bIns="0"/>
+          <a:lstStyle/>
+          <a:p>
+            <a:endParaRPr/>
+          </a:p>
+        </p:txBody>
+      </p:sp>
+      <p:sp>
+        <p:nvSpPr>
+          <p:cNvPr id="3" name="Holder 3"/>
+          <p:cNvSpPr>
+            <a:spLocks noGrp="1"/>
+          </p:cNvSpPr>
+          <p:nvPr>
+            <p:ph type="ftr" sz="quarter" idx="5"/>
+          </p:nvPr>
+        </p:nvSpPr>
+        <p:spPr/>
+        <p:txBody>
+          <a:bodyPr lIns="0" tIns="0" rIns="0" bIns="0"/>
+          <a:lstStyle>
+            <a:lvl1pPr algn="ctr">
+              <a:defRPr>
+                <a:solidFill>
+                  <a:schemeClr val="tx1">
+                    <a:tint val="75000"/>
+                  </a:schemeClr>
+                </a:solidFill>
+              </a:defRPr>
+            </a:lvl1pPr>
+          </a:lstStyle>
+          <a:p>
+            <a:endParaRPr dirty="0"/>
+          </a:p>
+        </p:txBody>
+      </p:sp>
+      <p:sp>
+        <p:nvSpPr>
+          <p:cNvPr id="4" name="Holder 4"/>
+          <p:cNvSpPr>
+            <a:spLocks noGrp="1"/>
+          </p:cNvSpPr>
+          <p:nvPr>
+            <p:ph type="dt" sz="half" idx="6"/>
+          </p:nvPr>
+        </p:nvSpPr>
+        <p:spPr/>
+        <p:txBody>
+          <a:bodyPr lIns="0" tIns="0" rIns="0" bIns="0"/>
+          <a:lstStyle>
+            <a:lvl1pPr algn="l">
+              <a:defRPr>
+                <a:solidFill>
+                  <a:schemeClr val="tx1">
+                    <a:tint val="75000"/>
+                  </a:schemeClr>
+                </a:solidFill>
+              </a:defRPr>
+            </a:lvl1pPr>
+          </a:lstStyle>
+          <a:p>
+            <a:fld id="{1D8BD707-D9CF-40AE-B4C6-C98DA3205C09}" type="datetimeFigureOut">
+              <a:rPr lang="en-US" smtClean="0"/>
+              <a:t>8/29/2025</a:t>
+            </a:fld>
+            <a:endParaRPr lang="en-US" dirty="0"/>
+          </a:p>
+        </p:txBody>
+      </p:sp>
+      <p:sp>
+        <p:nvSpPr>
+          <p:cNvPr id="5" name="Holder 5"/>
+          <p:cNvSpPr>
+            <a:spLocks noGrp="1"/>
+          </p:cNvSpPr>
+          <p:nvPr>
+            <p:ph type="sldNum" sz="quarter" idx="7"/>
+          </p:nvPr>
+        </p:nvSpPr>
+        <p:spPr/>
+        <p:txBody>
+          <a:bodyPr lIns="0" tIns="0" rIns="0" bIns="0"/>
+          <a:lstStyle/>
+          <a:p>
+            <a:pPr marL="25400"/>
+            <a:fld id="{81D60167-4931-47E6-BA6A-407CBD079E47}" type="slidenum">
+              <a:rPr lang="es-MX" spc="-10" smtClean="0">
+                <a:solidFill>
+                  <a:srgbClr val="18BAD4"/>
+                </a:solidFill>
+                <a:cs typeface="Calibri"/>
+              </a:rPr>
+              <a:pPr marL="25400"/>
+              <a:t>‹Nº›</a:t>
+            </a:fld>
+            <a:endParaRPr lang="es-MX" dirty="0">
+              <a:cs typeface="Calibri"/>
+            </a:endParaRPr>
+          </a:p>
+        </p:txBody>
+      </p:sp>
+    </p:spTree>
+    <p:extLst>
+      <p:ext uri="{BB962C8B-B14F-4D97-AF65-F5344CB8AC3E}">
+        <p14:creationId xmlns:p14="http://schemas.microsoft.com/office/powerpoint/2010/main" val="807105979"/>
       </p:ext>
     </p:extLst>
   </p:cSld>
@@ -2143,7 +2377,7 @@
           <a:p>
             <a:fld id="{B3F3E716-CACC-4490-AD07-F24B6A68DE47}" type="datetimeFigureOut">
               <a:rPr lang="es-MX" smtClean="0"/>
-              <a:t>17/07/2025</a:t>
+              <a:t>28/08/2025</a:t>
             </a:fld>
             <a:endParaRPr lang="es-MX" dirty="0"/>
           </a:p>
@@ -2185,7 +2419,7 @@
           <a:p>
             <a:fld id="{52A58D3C-5A37-463D-B2C9-8DF65AE0B01C}" type="slidenum">
               <a:rPr lang="es-MX" smtClean="0"/>
-              <a:t>‹#›</a:t>
+              <a:t>‹Nº›</a:t>
             </a:fld>
             <a:endParaRPr lang="es-MX" dirty="0"/>
           </a:p>
@@ -2389,7 +2623,7 @@
           <a:p>
             <a:fld id="{B3F3E716-CACC-4490-AD07-F24B6A68DE47}" type="datetimeFigureOut">
               <a:rPr lang="es-MX" smtClean="0"/>
-              <a:t>17/07/2025</a:t>
+              <a:t>28/08/2025</a:t>
             </a:fld>
             <a:endParaRPr lang="es-MX" dirty="0"/>
           </a:p>
@@ -2431,7 +2665,7 @@
           <a:p>
             <a:fld id="{52A58D3C-5A37-463D-B2C9-8DF65AE0B01C}" type="slidenum">
               <a:rPr lang="es-MX" smtClean="0"/>
-              <a:t>‹#›</a:t>
+              <a:t>‹Nº›</a:t>
             </a:fld>
             <a:endParaRPr lang="es-MX" dirty="0"/>
           </a:p>
@@ -2677,7 +2911,7 @@
           <a:p>
             <a:fld id="{B3F3E716-CACC-4490-AD07-F24B6A68DE47}" type="datetimeFigureOut">
               <a:rPr lang="es-MX" smtClean="0"/>
-              <a:t>17/07/2025</a:t>
+              <a:t>28/08/2025</a:t>
             </a:fld>
             <a:endParaRPr lang="es-MX" dirty="0"/>
           </a:p>
@@ -2719,7 +2953,7 @@
           <a:p>
             <a:fld id="{52A58D3C-5A37-463D-B2C9-8DF65AE0B01C}" type="slidenum">
               <a:rPr lang="es-MX" smtClean="0"/>
-              <a:t>‹#›</a:t>
+              <a:t>‹Nº›</a:t>
             </a:fld>
             <a:endParaRPr lang="es-MX" dirty="0"/>
           </a:p>
@@ -3099,7 +3333,7 @@
           <a:p>
             <a:fld id="{B3F3E716-CACC-4490-AD07-F24B6A68DE47}" type="datetimeFigureOut">
               <a:rPr lang="es-MX" smtClean="0"/>
-              <a:t>17/07/2025</a:t>
+              <a:t>28/08/2025</a:t>
             </a:fld>
             <a:endParaRPr lang="es-MX" dirty="0"/>
           </a:p>
@@ -3141,7 +3375,7 @@
           <a:p>
             <a:fld id="{52A58D3C-5A37-463D-B2C9-8DF65AE0B01C}" type="slidenum">
               <a:rPr lang="es-MX" smtClean="0"/>
-              <a:t>‹#›</a:t>
+              <a:t>‹Nº›</a:t>
             </a:fld>
             <a:endParaRPr lang="es-MX" dirty="0"/>
           </a:p>
@@ -3217,7 +3451,7 @@
           <a:p>
             <a:fld id="{B3F3E716-CACC-4490-AD07-F24B6A68DE47}" type="datetimeFigureOut">
               <a:rPr lang="es-MX" smtClean="0"/>
-              <a:t>17/07/2025</a:t>
+              <a:t>28/08/2025</a:t>
             </a:fld>
             <a:endParaRPr lang="es-MX" dirty="0"/>
           </a:p>
@@ -3259,7 +3493,7 @@
           <a:p>
             <a:fld id="{52A58D3C-5A37-463D-B2C9-8DF65AE0B01C}" type="slidenum">
               <a:rPr lang="es-MX" smtClean="0"/>
-              <a:t>‹#›</a:t>
+              <a:t>‹Nº›</a:t>
             </a:fld>
             <a:endParaRPr lang="es-MX" dirty="0"/>
           </a:p>
@@ -3312,7 +3546,7 @@
           <a:p>
             <a:fld id="{B3F3E716-CACC-4490-AD07-F24B6A68DE47}" type="datetimeFigureOut">
               <a:rPr lang="es-MX" smtClean="0"/>
-              <a:t>17/07/2025</a:t>
+              <a:t>28/08/2025</a:t>
             </a:fld>
             <a:endParaRPr lang="es-MX" dirty="0"/>
           </a:p>
@@ -3354,7 +3588,7 @@
           <a:p>
             <a:fld id="{52A58D3C-5A37-463D-B2C9-8DF65AE0B01C}" type="slidenum">
               <a:rPr lang="es-MX" smtClean="0"/>
-              <a:t>‹#›</a:t>
+              <a:t>‹Nº›</a:t>
             </a:fld>
             <a:endParaRPr lang="es-MX" dirty="0"/>
           </a:p>
@@ -3589,7 +3823,7 @@
           <a:p>
             <a:fld id="{B3F3E716-CACC-4490-AD07-F24B6A68DE47}" type="datetimeFigureOut">
               <a:rPr lang="es-MX" smtClean="0"/>
-              <a:t>17/07/2025</a:t>
+              <a:t>28/08/2025</a:t>
             </a:fld>
             <a:endParaRPr lang="es-MX" dirty="0"/>
           </a:p>
@@ -3631,7 +3865,7 @@
           <a:p>
             <a:fld id="{52A58D3C-5A37-463D-B2C9-8DF65AE0B01C}" type="slidenum">
               <a:rPr lang="es-MX" smtClean="0"/>
-              <a:t>‹#›</a:t>
+              <a:t>‹Nº›</a:t>
             </a:fld>
             <a:endParaRPr lang="es-MX" dirty="0"/>
           </a:p>
@@ -3842,7 +4076,7 @@
           <a:p>
             <a:fld id="{B3F3E716-CACC-4490-AD07-F24B6A68DE47}" type="datetimeFigureOut">
               <a:rPr lang="es-MX" smtClean="0"/>
-              <a:t>17/07/2025</a:t>
+              <a:t>28/08/2025</a:t>
             </a:fld>
             <a:endParaRPr lang="es-MX" dirty="0"/>
           </a:p>
@@ -3884,7 +4118,7 @@
           <a:p>
             <a:fld id="{52A58D3C-5A37-463D-B2C9-8DF65AE0B01C}" type="slidenum">
               <a:rPr lang="es-MX" smtClean="0"/>
-              <a:t>‹#›</a:t>
+              <a:t>‹Nº›</a:t>
             </a:fld>
             <a:endParaRPr lang="es-MX" dirty="0"/>
           </a:p>
@@ -4055,7 +4289,7 @@
           <a:p>
             <a:fld id="{B3F3E716-CACC-4490-AD07-F24B6A68DE47}" type="datetimeFigureOut">
               <a:rPr lang="es-MX" smtClean="0"/>
-              <a:t>17/07/2025</a:t>
+              <a:t>28/08/2025</a:t>
             </a:fld>
             <a:endParaRPr lang="es-MX" dirty="0"/>
           </a:p>
@@ -4133,7 +4367,7 @@
           <a:p>
             <a:fld id="{52A58D3C-5A37-463D-B2C9-8DF65AE0B01C}" type="slidenum">
               <a:rPr lang="es-MX" smtClean="0"/>
-              <a:t>‹#›</a:t>
+              <a:t>‹Nº›</a:t>
             </a:fld>
             <a:endParaRPr lang="es-MX" dirty="0"/>
           </a:p>
@@ -4159,8 +4393,8 @@
     <p:sldLayoutId id="2147483657" r:id="rId9"/>
     <p:sldLayoutId id="2147483658" r:id="rId10"/>
     <p:sldLayoutId id="2147483659" r:id="rId11"/>
-    <p:sldLayoutId id="2147483660" r:id="rId12"/>
-    <p:sldLayoutId id="2147483661" r:id="rId13"/>
+    <p:sldLayoutId id="2147483661" r:id="rId12"/>
+    <p:sldLayoutId id="2147483662" r:id="rId13"/>
   </p:sldLayoutIdLst>
   <p:txStyles>
     <p:titleStyle>
@@ -27029,10 +27263,10 @@
       </p:sp>
       <p:grpSp>
         <p:nvGrpSpPr>
-          <p:cNvPr id="6" name="Group 5">
+          <p:cNvPr id="2" name="Group 1">
             <a:extLst>
               <a:ext uri="{FF2B5EF4-FFF2-40B4-BE49-F238E27FC236}">
-                <a16:creationId xmlns:a16="http://schemas.microsoft.com/office/drawing/2014/main" id="{7F7E8312-F3AE-B0CF-D33A-FE018AF110AE}"/>
+                <a16:creationId xmlns:a16="http://schemas.microsoft.com/office/drawing/2014/main" id="{AFF73F80-2392-3A49-CDE6-66D0B09174E3}"/>
               </a:ext>
             </a:extLst>
           </p:cNvPr>
@@ -27111,7 +27345,7 @@
     </p:spTree>
     <p:extLst>
       <p:ext uri="{BB962C8B-B14F-4D97-AF65-F5344CB8AC3E}">
-        <p14:creationId xmlns:p14="http://schemas.microsoft.com/office/powerpoint/2010/main" val="2025924933"/>
+        <p14:creationId xmlns:p14="http://schemas.microsoft.com/office/powerpoint/2010/main" val="358889480"/>
       </p:ext>
     </p:extLst>
   </p:cSld>
@@ -27549,7 +27783,7 @@
           <p:cNvPr id="4" name="Group 3">
             <a:extLst>
               <a:ext uri="{FF2B5EF4-FFF2-40B4-BE49-F238E27FC236}">
-                <a16:creationId xmlns:a16="http://schemas.microsoft.com/office/drawing/2014/main" id="{9698230A-A336-5FCD-EBB2-0CEDE490E5AA}"/>
+                <a16:creationId xmlns:a16="http://schemas.microsoft.com/office/drawing/2014/main" id="{AFAA4877-BC4B-5129-C233-28A380D59CB5}"/>
               </a:ext>
             </a:extLst>
           </p:cNvPr>
@@ -27628,7 +27862,7 @@
     </p:spTree>
     <p:extLst>
       <p:ext uri="{BB962C8B-B14F-4D97-AF65-F5344CB8AC3E}">
-        <p14:creationId xmlns:p14="http://schemas.microsoft.com/office/powerpoint/2010/main" val="3946658930"/>
+        <p14:creationId xmlns:p14="http://schemas.microsoft.com/office/powerpoint/2010/main" val="290636224"/>
       </p:ext>
     </p:extLst>
   </p:cSld>
@@ -28238,10 +28472,10 @@
       </p:sp>
       <p:grpSp>
         <p:nvGrpSpPr>
-          <p:cNvPr id="16" name="Group 15">
+          <p:cNvPr id="3" name="Group 2">
             <a:extLst>
               <a:ext uri="{FF2B5EF4-FFF2-40B4-BE49-F238E27FC236}">
-                <a16:creationId xmlns:a16="http://schemas.microsoft.com/office/drawing/2014/main" id="{0B9844A3-E5C5-D94E-14A6-6D93E770C41D}"/>
+                <a16:creationId xmlns:a16="http://schemas.microsoft.com/office/drawing/2014/main" id="{2FEC9850-539F-E2D3-F837-18C688368FB3}"/>
               </a:ext>
             </a:extLst>
           </p:cNvPr>
@@ -28317,10 +28551,62 @@
           </p:spPr>
         </p:pic>
       </p:grpSp>
+      <p:sp>
+        <p:nvSpPr>
+          <p:cNvPr id="5" name="Rectángulo 4">
+            <a:extLst>
+              <a:ext uri="{FF2B5EF4-FFF2-40B4-BE49-F238E27FC236}">
+                <a16:creationId xmlns:a16="http://schemas.microsoft.com/office/drawing/2014/main" id="{E5D526F5-F334-F6EC-C117-79754D82B461}"/>
+              </a:ext>
+            </a:extLst>
+          </p:cNvPr>
+          <p:cNvSpPr/>
+          <p:nvPr/>
+        </p:nvSpPr>
+        <p:spPr>
+          <a:xfrm>
+            <a:off x="5459676" y="1559631"/>
+            <a:ext cx="2807893" cy="1159835"/>
+          </a:xfrm>
+          <a:prstGeom prst="rect">
+            <a:avLst/>
+          </a:prstGeom>
+          <a:noFill/>
+          <a:ln>
+            <a:solidFill>
+              <a:srgbClr val="0070C0"/>
+            </a:solidFill>
+          </a:ln>
+        </p:spPr>
+        <p:style>
+          <a:lnRef idx="2">
+            <a:schemeClr val="accent1">
+              <a:shade val="15000"/>
+            </a:schemeClr>
+          </a:lnRef>
+          <a:fillRef idx="1">
+            <a:schemeClr val="accent1"/>
+          </a:fillRef>
+          <a:effectRef idx="0">
+            <a:schemeClr val="accent1"/>
+          </a:effectRef>
+          <a:fontRef idx="minor">
+            <a:schemeClr val="lt1"/>
+          </a:fontRef>
+        </p:style>
+        <p:txBody>
+          <a:bodyPr rtlCol="0" anchor="ctr"/>
+          <a:lstStyle/>
+          <a:p>
+            <a:pPr algn="ctr"/>
+            <a:endParaRPr lang="es-MX"/>
+          </a:p>
+        </p:txBody>
+      </p:sp>
     </p:spTree>
     <p:extLst>
       <p:ext uri="{BB962C8B-B14F-4D97-AF65-F5344CB8AC3E}">
-        <p14:creationId xmlns:p14="http://schemas.microsoft.com/office/powerpoint/2010/main" val="1227542179"/>
+        <p14:creationId xmlns:p14="http://schemas.microsoft.com/office/powerpoint/2010/main" val="2327857030"/>
       </p:ext>
     </p:extLst>
   </p:cSld>
@@ -28555,7 +28841,7 @@
     </p:spTree>
     <p:extLst>
       <p:ext uri="{BB962C8B-B14F-4D97-AF65-F5344CB8AC3E}">
-        <p14:creationId xmlns:p14="http://schemas.microsoft.com/office/powerpoint/2010/main" val="3285934696"/>
+        <p14:creationId xmlns:p14="http://schemas.microsoft.com/office/powerpoint/2010/main" val="109054117"/>
       </p:ext>
     </p:extLst>
   </p:cSld>
@@ -28921,7 +29207,7 @@
     </p:spTree>
     <p:extLst>
       <p:ext uri="{BB962C8B-B14F-4D97-AF65-F5344CB8AC3E}">
-        <p14:creationId xmlns:p14="http://schemas.microsoft.com/office/powerpoint/2010/main" val="1685158566"/>
+        <p14:creationId xmlns:p14="http://schemas.microsoft.com/office/powerpoint/2010/main" val="1681350111"/>
       </p:ext>
     </p:extLst>
   </p:cSld>
@@ -29460,7 +29746,7 @@
     </p:spTree>
     <p:extLst>
       <p:ext uri="{BB962C8B-B14F-4D97-AF65-F5344CB8AC3E}">
-        <p14:creationId xmlns:p14="http://schemas.microsoft.com/office/powerpoint/2010/main" val="2989575408"/>
+        <p14:creationId xmlns:p14="http://schemas.microsoft.com/office/powerpoint/2010/main" val="624747281"/>
       </p:ext>
     </p:extLst>
   </p:cSld>
@@ -29784,7 +30070,7 @@
     </p:spTree>
     <p:extLst>
       <p:ext uri="{BB962C8B-B14F-4D97-AF65-F5344CB8AC3E}">
-        <p14:creationId xmlns:p14="http://schemas.microsoft.com/office/powerpoint/2010/main" val="2251645235"/>
+        <p14:creationId xmlns:p14="http://schemas.microsoft.com/office/powerpoint/2010/main" val="1660404791"/>
       </p:ext>
     </p:extLst>
   </p:cSld>
@@ -30209,10 +30495,62 @@
           </a:p>
         </p:txBody>
       </p:sp>
+      <p:sp>
+        <p:nvSpPr>
+          <p:cNvPr id="6" name="Rectángulo 5">
+            <a:extLst>
+              <a:ext uri="{FF2B5EF4-FFF2-40B4-BE49-F238E27FC236}">
+                <a16:creationId xmlns:a16="http://schemas.microsoft.com/office/drawing/2014/main" id="{FAEB95F9-DC61-6A1F-CD54-849DD6497935}"/>
+              </a:ext>
+            </a:extLst>
+          </p:cNvPr>
+          <p:cNvSpPr/>
+          <p:nvPr/>
+        </p:nvSpPr>
+        <p:spPr>
+          <a:xfrm>
+            <a:off x="4946838" y="1739995"/>
+            <a:ext cx="3469592" cy="823415"/>
+          </a:xfrm>
+          <a:prstGeom prst="rect">
+            <a:avLst/>
+          </a:prstGeom>
+          <a:noFill/>
+          <a:ln>
+            <a:solidFill>
+              <a:srgbClr val="0070C0"/>
+            </a:solidFill>
+          </a:ln>
+        </p:spPr>
+        <p:style>
+          <a:lnRef idx="2">
+            <a:schemeClr val="accent1">
+              <a:shade val="15000"/>
+            </a:schemeClr>
+          </a:lnRef>
+          <a:fillRef idx="1">
+            <a:schemeClr val="accent1"/>
+          </a:fillRef>
+          <a:effectRef idx="0">
+            <a:schemeClr val="accent1"/>
+          </a:effectRef>
+          <a:fontRef idx="minor">
+            <a:schemeClr val="lt1"/>
+          </a:fontRef>
+        </p:style>
+        <p:txBody>
+          <a:bodyPr rtlCol="0" anchor="ctr"/>
+          <a:lstStyle/>
+          <a:p>
+            <a:pPr algn="ctr"/>
+            <a:endParaRPr lang="es-MX"/>
+          </a:p>
+        </p:txBody>
+      </p:sp>
     </p:spTree>
     <p:extLst>
       <p:ext uri="{BB962C8B-B14F-4D97-AF65-F5344CB8AC3E}">
-        <p14:creationId xmlns:p14="http://schemas.microsoft.com/office/powerpoint/2010/main" val="1948161739"/>
+        <p14:creationId xmlns:p14="http://schemas.microsoft.com/office/powerpoint/2010/main" val="347609087"/>
       </p:ext>
     </p:extLst>
   </p:cSld>
@@ -30451,7 +30789,7 @@
         </p:blipFill>
         <p:spPr>
           <a:xfrm>
-            <a:off x="801254" y="4149080"/>
+            <a:off x="801254" y="4147854"/>
             <a:ext cx="5582429" cy="2362530"/>
           </a:xfrm>
           <a:prstGeom prst="rect">
@@ -30536,10 +30874,182 @@
           </a:prstGeom>
         </p:spPr>
       </p:pic>
+      <p:sp>
+        <p:nvSpPr>
+          <p:cNvPr id="3" name="Rectángulo 2">
+            <a:extLst>
+              <a:ext uri="{FF2B5EF4-FFF2-40B4-BE49-F238E27FC236}">
+                <a16:creationId xmlns:a16="http://schemas.microsoft.com/office/drawing/2014/main" id="{442E8623-DAC3-838B-7DF8-8180E057577E}"/>
+              </a:ext>
+            </a:extLst>
+          </p:cNvPr>
+          <p:cNvSpPr/>
+          <p:nvPr/>
+        </p:nvSpPr>
+        <p:spPr>
+          <a:xfrm>
+            <a:off x="781644" y="2680517"/>
+            <a:ext cx="3194681" cy="1180039"/>
+          </a:xfrm>
+          <a:prstGeom prst="rect">
+            <a:avLst/>
+          </a:prstGeom>
+          <a:noFill/>
+          <a:ln>
+            <a:solidFill>
+              <a:srgbClr val="0070C0"/>
+            </a:solidFill>
+          </a:ln>
+        </p:spPr>
+        <p:style>
+          <a:lnRef idx="2">
+            <a:schemeClr val="accent1">
+              <a:shade val="15000"/>
+            </a:schemeClr>
+          </a:lnRef>
+          <a:fillRef idx="1">
+            <a:schemeClr val="accent1"/>
+          </a:fillRef>
+          <a:effectRef idx="0">
+            <a:schemeClr val="accent1"/>
+          </a:effectRef>
+          <a:fontRef idx="minor">
+            <a:schemeClr val="lt1"/>
+          </a:fontRef>
+        </p:style>
+        <p:txBody>
+          <a:bodyPr rtlCol="0" anchor="ctr"/>
+          <a:lstStyle/>
+          <a:p>
+            <a:pPr algn="ctr"/>
+            <a:endParaRPr lang="es-MX"/>
+          </a:p>
+        </p:txBody>
+      </p:sp>
+      <p:sp>
+        <p:nvSpPr>
+          <p:cNvPr id="6" name="Rectangle 2">
+            <a:extLst>
+              <a:ext uri="{FF2B5EF4-FFF2-40B4-BE49-F238E27FC236}">
+                <a16:creationId xmlns:a16="http://schemas.microsoft.com/office/drawing/2014/main" id="{2D647904-C967-45BC-D6CA-862A0E5ACF79}"/>
+              </a:ext>
+            </a:extLst>
+          </p:cNvPr>
+          <p:cNvSpPr txBox="1">
+            <a:spLocks noChangeArrowheads="1"/>
+          </p:cNvSpPr>
+          <p:nvPr/>
+        </p:nvSpPr>
+        <p:spPr>
+          <a:xfrm>
+            <a:off x="4735035" y="4508363"/>
+            <a:ext cx="3149333" cy="975554"/>
+          </a:xfrm>
+          <a:prstGeom prst="rect">
+            <a:avLst/>
+          </a:prstGeom>
+          <a:ln>
+            <a:solidFill>
+              <a:schemeClr val="accent1"/>
+            </a:solidFill>
+          </a:ln>
+        </p:spPr>
+        <p:txBody>
+          <a:bodyPr vert="horz" lIns="91440" tIns="45720" rIns="91440" bIns="45720" rtlCol="0" anchor="ctr">
+            <a:normAutofit fontScale="92500" lnSpcReduction="10000"/>
+          </a:bodyPr>
+          <a:lstStyle>
+            <a:lvl1pPr algn="ctr" defTabSz="914400" rtl="0" eaLnBrk="1" latinLnBrk="0" hangingPunct="1">
+              <a:spcBef>
+                <a:spcPct val="0"/>
+              </a:spcBef>
+              <a:buNone/>
+              <a:defRPr sz="4400" kern="1200">
+                <a:solidFill>
+                  <a:schemeClr val="tx1"/>
+                </a:solidFill>
+                <a:latin typeface="+mj-lt"/>
+                <a:ea typeface="+mj-ea"/>
+                <a:cs typeface="+mj-cs"/>
+              </a:defRPr>
+            </a:lvl1pPr>
+          </a:lstStyle>
+          <a:p>
+            <a:pPr algn="l"/>
+            <a:r>
+              <a:rPr lang="es-ES" altLang="es-MX" sz="1600" b="1" dirty="0">
+                <a:solidFill>
+                  <a:srgbClr val="FF0000"/>
+                </a:solidFill>
+                <a:latin typeface="Dom Casual" charset="0"/>
+              </a:rPr>
+              <a:t>Después de probar que imprimir el atributo marchas en el objeto c2 marca error, porque no existe, pon esa línea de código en comentarios.</a:t>
+            </a:r>
+            <a:endParaRPr lang="es-ES_tradnl" altLang="es-MX" sz="1600" b="1" dirty="0">
+              <a:solidFill>
+                <a:srgbClr val="FF0000"/>
+              </a:solidFill>
+              <a:latin typeface="Dom Casual" charset="0"/>
+            </a:endParaRPr>
+          </a:p>
+        </p:txBody>
+      </p:sp>
+      <p:sp>
+        <p:nvSpPr>
+          <p:cNvPr id="9" name="Rectángulo 8">
+            <a:extLst>
+              <a:ext uri="{FF2B5EF4-FFF2-40B4-BE49-F238E27FC236}">
+                <a16:creationId xmlns:a16="http://schemas.microsoft.com/office/drawing/2014/main" id="{E7502919-41FA-4AB3-139B-9480E268BBCE}"/>
+              </a:ext>
+            </a:extLst>
+          </p:cNvPr>
+          <p:cNvSpPr/>
+          <p:nvPr/>
+        </p:nvSpPr>
+        <p:spPr>
+          <a:xfrm>
+            <a:off x="4717519" y="4509118"/>
+            <a:ext cx="3166850" cy="976047"/>
+          </a:xfrm>
+          <a:prstGeom prst="rect">
+            <a:avLst/>
+          </a:prstGeom>
+          <a:noFill/>
+          <a:ln>
+            <a:solidFill>
+              <a:srgbClr val="0070C0"/>
+            </a:solidFill>
+          </a:ln>
+        </p:spPr>
+        <p:style>
+          <a:lnRef idx="2">
+            <a:schemeClr val="accent1">
+              <a:shade val="15000"/>
+            </a:schemeClr>
+          </a:lnRef>
+          <a:fillRef idx="1">
+            <a:schemeClr val="accent1"/>
+          </a:fillRef>
+          <a:effectRef idx="0">
+            <a:schemeClr val="accent1"/>
+          </a:effectRef>
+          <a:fontRef idx="minor">
+            <a:schemeClr val="lt1"/>
+          </a:fontRef>
+        </p:style>
+        <p:txBody>
+          <a:bodyPr rtlCol="0" anchor="ctr"/>
+          <a:lstStyle/>
+          <a:p>
+            <a:pPr algn="ctr"/>
+            <a:endParaRPr lang="es-MX"/>
+          </a:p>
+        </p:txBody>
+      </p:sp>
     </p:spTree>
     <p:extLst>
       <p:ext uri="{BB962C8B-B14F-4D97-AF65-F5344CB8AC3E}">
-        <p14:creationId xmlns:p14="http://schemas.microsoft.com/office/powerpoint/2010/main" val="1517661690"/>
+        <p14:creationId xmlns:p14="http://schemas.microsoft.com/office/powerpoint/2010/main" val="1369060848"/>
       </p:ext>
     </p:extLst>
   </p:cSld>
@@ -30753,7 +31263,7 @@
     </p:spTree>
     <p:extLst>
       <p:ext uri="{BB962C8B-B14F-4D97-AF65-F5344CB8AC3E}">
-        <p14:creationId xmlns:p14="http://schemas.microsoft.com/office/powerpoint/2010/main" val="2121315118"/>
+        <p14:creationId xmlns:p14="http://schemas.microsoft.com/office/powerpoint/2010/main" val="594770524"/>
       </p:ext>
     </p:extLst>
   </p:cSld>
@@ -31064,36 +31574,6 @@
           </a:p>
         </p:txBody>
       </p:sp>
-      <p:pic>
-        <p:nvPicPr>
-          <p:cNvPr id="10" name="Picture 9">
-            <a:extLst>
-              <a:ext uri="{FF2B5EF4-FFF2-40B4-BE49-F238E27FC236}">
-                <a16:creationId xmlns:a16="http://schemas.microsoft.com/office/drawing/2014/main" id="{C7717585-F120-F21C-D1D0-B29D218AECC3}"/>
-              </a:ext>
-            </a:extLst>
-          </p:cNvPr>
-          <p:cNvPicPr>
-            <a:picLocks noChangeAspect="1"/>
-          </p:cNvPicPr>
-          <p:nvPr/>
-        </p:nvPicPr>
-        <p:blipFill>
-          <a:blip r:embed="rId3"/>
-          <a:stretch>
-            <a:fillRect/>
-          </a:stretch>
-        </p:blipFill>
-        <p:spPr>
-          <a:xfrm>
-            <a:off x="4005183" y="4449187"/>
-            <a:ext cx="1133633" cy="1914792"/>
-          </a:xfrm>
-          <a:prstGeom prst="rect">
-            <a:avLst/>
-          </a:prstGeom>
-        </p:spPr>
-      </p:pic>
       <p:sp>
         <p:nvSpPr>
           <p:cNvPr id="11" name="Rectángulo 4">
@@ -31108,8 +31588,8 @@
         </p:nvSpPr>
         <p:spPr>
           <a:xfrm>
-            <a:off x="3959934" y="4412730"/>
-            <a:ext cx="1178882" cy="2040606"/>
+            <a:off x="3959934" y="4256404"/>
+            <a:ext cx="1260138" cy="2268940"/>
           </a:xfrm>
           <a:prstGeom prst="rect">
             <a:avLst/>
@@ -31156,6 +31636,88 @@
           <p:nvPr/>
         </p:nvPicPr>
         <p:blipFill>
+          <a:blip r:embed="rId3"/>
+          <a:stretch>
+            <a:fillRect/>
+          </a:stretch>
+        </p:blipFill>
+        <p:spPr>
+          <a:xfrm>
+            <a:off x="4657894" y="2041488"/>
+            <a:ext cx="4321379" cy="2111694"/>
+          </a:xfrm>
+          <a:prstGeom prst="rect">
+            <a:avLst/>
+          </a:prstGeom>
+        </p:spPr>
+      </p:pic>
+      <p:sp>
+        <p:nvSpPr>
+          <p:cNvPr id="6" name="Rectángulo 5">
+            <a:extLst>
+              <a:ext uri="{FF2B5EF4-FFF2-40B4-BE49-F238E27FC236}">
+                <a16:creationId xmlns:a16="http://schemas.microsoft.com/office/drawing/2014/main" id="{C8D2F54B-0B06-D8A5-63BC-DA684B4F5D38}"/>
+              </a:ext>
+            </a:extLst>
+          </p:cNvPr>
+          <p:cNvSpPr/>
+          <p:nvPr/>
+        </p:nvSpPr>
+        <p:spPr>
+          <a:xfrm>
+            <a:off x="827584" y="2416448"/>
+            <a:ext cx="3733527" cy="936104"/>
+          </a:xfrm>
+          <a:prstGeom prst="rect">
+            <a:avLst/>
+          </a:prstGeom>
+          <a:noFill/>
+          <a:ln>
+            <a:solidFill>
+              <a:srgbClr val="0070C0"/>
+            </a:solidFill>
+          </a:ln>
+        </p:spPr>
+        <p:style>
+          <a:lnRef idx="2">
+            <a:schemeClr val="accent1">
+              <a:shade val="15000"/>
+            </a:schemeClr>
+          </a:lnRef>
+          <a:fillRef idx="1">
+            <a:schemeClr val="accent1"/>
+          </a:fillRef>
+          <a:effectRef idx="0">
+            <a:schemeClr val="accent1"/>
+          </a:effectRef>
+          <a:fontRef idx="minor">
+            <a:schemeClr val="lt1"/>
+          </a:fontRef>
+        </p:style>
+        <p:txBody>
+          <a:bodyPr rtlCol="0" anchor="ctr"/>
+          <a:lstStyle/>
+          <a:p>
+            <a:pPr algn="ctr"/>
+            <a:endParaRPr lang="es-MX"/>
+          </a:p>
+        </p:txBody>
+      </p:sp>
+      <p:pic>
+        <p:nvPicPr>
+          <p:cNvPr id="12" name="Imagen 11">
+            <a:extLst>
+              <a:ext uri="{FF2B5EF4-FFF2-40B4-BE49-F238E27FC236}">
+                <a16:creationId xmlns:a16="http://schemas.microsoft.com/office/drawing/2014/main" id="{66FFBBFA-284E-0081-C8F3-5FB101D2885D}"/>
+              </a:ext>
+            </a:extLst>
+          </p:cNvPr>
+          <p:cNvPicPr>
+            <a:picLocks noChangeAspect="1"/>
+          </p:cNvPicPr>
+          <p:nvPr/>
+        </p:nvPicPr>
+        <p:blipFill>
           <a:blip r:embed="rId4"/>
           <a:stretch>
             <a:fillRect/>
@@ -31163,8 +31725,8 @@
         </p:blipFill>
         <p:spPr>
           <a:xfrm>
-            <a:off x="4675955" y="2144710"/>
-            <a:ext cx="4321379" cy="2111694"/>
+            <a:off x="4032023" y="4293096"/>
+            <a:ext cx="1115959" cy="2191338"/>
           </a:xfrm>
           <a:prstGeom prst="rect">
             <a:avLst/>
@@ -31174,7 +31736,7 @@
     </p:spTree>
     <p:extLst>
       <p:ext uri="{BB962C8B-B14F-4D97-AF65-F5344CB8AC3E}">
-        <p14:creationId xmlns:p14="http://schemas.microsoft.com/office/powerpoint/2010/main" val="173049240"/>
+        <p14:creationId xmlns:p14="http://schemas.microsoft.com/office/powerpoint/2010/main" val="77490221"/>
       </p:ext>
     </p:extLst>
   </p:cSld>
@@ -31266,7 +31828,7 @@
         <p:spPr>
           <a:xfrm>
             <a:off x="719572" y="1324244"/>
-            <a:ext cx="7992888" cy="740370"/>
+            <a:ext cx="7812868" cy="740370"/>
           </a:xfrm>
           <a:prstGeom prst="rect">
             <a:avLst/>
@@ -31425,6 +31987,35 @@
             </a:pPr>
             <a:r>
               <a:rPr lang="es-ES" altLang="es-MX" sz="1400" dirty="0">
+                <a:latin typeface="Dom Casual" charset="0"/>
+              </a:rPr>
+              <a:t>Dentro de la clase </a:t>
+            </a:r>
+            <a:r>
+              <a:rPr lang="es-ES" altLang="es-MX" sz="1400" b="1" dirty="0">
+                <a:latin typeface="Dom Casual" charset="0"/>
+              </a:rPr>
+              <a:t>Coche</a:t>
+            </a:r>
+            <a:r>
+              <a:rPr lang="es-ES" altLang="es-MX" sz="1400" dirty="0">
+                <a:latin typeface="Dom Casual" charset="0"/>
+              </a:rPr>
+              <a:t>, crea el método </a:t>
+            </a:r>
+            <a:r>
+              <a:rPr lang="es-ES" altLang="es-MX" sz="1400" b="1" dirty="0">
+                <a:solidFill>
+                  <a:schemeClr val="accent6">
+                    <a:lumMod val="75000"/>
+                  </a:schemeClr>
+                </a:solidFill>
+                <a:latin typeface="Dom Casual" charset="0"/>
+              </a:rPr>
+              <a:t>mostrar</a:t>
+            </a:r>
+            <a:r>
+              <a:rPr lang="es-ES" altLang="es-MX" sz="1400" dirty="0">
                 <a:solidFill>
                   <a:schemeClr val="bg2">
                     <a:lumMod val="10000"/>
@@ -31432,29 +32023,7 @@
                 </a:solidFill>
                 <a:latin typeface="Dom Casual" charset="0"/>
               </a:rPr>
-              <a:t>Crea el método </a:t>
-            </a:r>
-            <a:r>
-              <a:rPr lang="es-ES" altLang="es-MX" sz="1400" b="1" dirty="0">
-                <a:solidFill>
-                  <a:schemeClr val="accent6">
-                    <a:lumMod val="75000"/>
-                  </a:schemeClr>
-                </a:solidFill>
-                <a:latin typeface="Dom Casual" charset="0"/>
-              </a:rPr>
-              <a:t>mostrar</a:t>
-            </a:r>
-            <a:r>
-              <a:rPr lang="es-ES" altLang="es-MX" sz="1400" dirty="0">
-                <a:solidFill>
-                  <a:schemeClr val="bg2">
-                    <a:lumMod val="10000"/>
-                  </a:schemeClr>
-                </a:solidFill>
-                <a:latin typeface="Dom Casual" charset="0"/>
-              </a:rPr>
-              <a:t> que regresa un </a:t>
+              <a:t> que regrese un </a:t>
             </a:r>
             <a:r>
               <a:rPr lang="es-ES" altLang="es-MX" sz="1400" dirty="0" err="1">
@@ -31600,25 +32169,57 @@
             </a:lvl1pPr>
           </a:lstStyle>
           <a:p>
-            <a:pPr marL="285750" indent="-285750" algn="l">
-              <a:buFont typeface="Arial" panose="020B0604020202020204" pitchFamily="34" charset="0"/>
-              <a:buChar char="•"/>
-            </a:pPr>
+            <a:pPr algn="l"/>
+            <a:r>
+              <a:rPr lang="es-ES" altLang="es-MX" sz="1600" dirty="0">
+                <a:latin typeface="Dom Casual" charset="0"/>
+              </a:rPr>
+              <a:t>En el </a:t>
+            </a:r>
+            <a:r>
+              <a:rPr lang="es-ES" altLang="es-MX" sz="1600" b="1" dirty="0" err="1">
+                <a:latin typeface="Dom Casual" charset="0"/>
+              </a:rPr>
+              <a:t>main</a:t>
+            </a:r>
+            <a:r>
+              <a:rPr lang="es-ES" altLang="es-MX" sz="1600" dirty="0">
+                <a:latin typeface="Dom Casual" charset="0"/>
+              </a:rPr>
+              <a:t>, imprime el resultado del método </a:t>
+            </a:r>
             <a:r>
               <a:rPr lang="es-ES" altLang="es-MX" sz="1600" b="1" dirty="0">
                 <a:solidFill>
+                  <a:schemeClr val="accent6">
+                    <a:lumMod val="75000"/>
+                  </a:schemeClr>
+                </a:solidFill>
+                <a:latin typeface="Dom Casual" charset="0"/>
+              </a:rPr>
+              <a:t>mostrar</a:t>
+            </a:r>
+            <a:r>
+              <a:rPr lang="es-ES" altLang="es-MX" sz="1600" dirty="0">
+                <a:latin typeface="Dom Casual" charset="0"/>
+              </a:rPr>
+              <a:t> para el objeto </a:t>
+            </a:r>
+            <a:r>
+              <a:rPr lang="es-ES" altLang="es-MX" sz="1600" b="1" dirty="0">
+                <a:solidFill>
                   <a:srgbClr val="FF0000"/>
                 </a:solidFill>
                 <a:latin typeface="Dom Casual" charset="0"/>
               </a:rPr>
-              <a:t>Dentro de la clase Coche, crea el método mostrar.</a:t>
-            </a:r>
-          </a:p>
-          <a:p>
-            <a:pPr marL="285750" indent="-285750" algn="l">
-              <a:buFont typeface="Arial" panose="020B0604020202020204" pitchFamily="34" charset="0"/>
-              <a:buChar char="•"/>
-            </a:pPr>
+              <a:t>c1</a:t>
+            </a:r>
+            <a:r>
+              <a:rPr lang="es-ES" altLang="es-MX" sz="1600" dirty="0">
+                <a:latin typeface="Dom Casual" charset="0"/>
+              </a:rPr>
+              <a:t> y </a:t>
+            </a:r>
             <a:r>
               <a:rPr lang="es-ES" altLang="es-MX" sz="1600" b="1" dirty="0">
                 <a:solidFill>
@@ -31626,30 +32227,15 @@
                 </a:solidFill>
                 <a:latin typeface="Dom Casual" charset="0"/>
               </a:rPr>
-              <a:t>En el </a:t>
-            </a:r>
-            <a:r>
-              <a:rPr lang="es-ES" altLang="es-MX" sz="1600" b="1" dirty="0" err="1">
-                <a:solidFill>
-                  <a:srgbClr val="FF0000"/>
-                </a:solidFill>
-                <a:latin typeface="Dom Casual" charset="0"/>
-              </a:rPr>
-              <a:t>main</a:t>
-            </a:r>
-            <a:r>
-              <a:rPr lang="es-ES" altLang="es-MX" sz="1600" b="1" dirty="0">
-                <a:solidFill>
-                  <a:srgbClr val="FF0000"/>
-                </a:solidFill>
-                <a:latin typeface="Dom Casual" charset="0"/>
-              </a:rPr>
-              <a:t>, imprime el resultado del método mostrar para el objeto c1 y c2.</a:t>
-            </a:r>
-            <a:endParaRPr lang="es-ES_tradnl" altLang="es-MX" sz="1600" b="1" dirty="0">
-              <a:solidFill>
-                <a:srgbClr val="FF0000"/>
-              </a:solidFill>
+              <a:t>c2</a:t>
+            </a:r>
+            <a:r>
+              <a:rPr lang="es-ES" altLang="es-MX" sz="1600" dirty="0">
+                <a:latin typeface="Dom Casual" charset="0"/>
+              </a:rPr>
+              <a:t>.</a:t>
+            </a:r>
+            <a:endParaRPr lang="es-ES_tradnl" altLang="es-MX" sz="1600" dirty="0">
               <a:latin typeface="Dom Casual" charset="0"/>
             </a:endParaRPr>
           </a:p>
@@ -31657,10 +32243,10 @@
       </p:sp>
       <p:grpSp>
         <p:nvGrpSpPr>
-          <p:cNvPr id="8" name="Group 7">
+          <p:cNvPr id="2" name="Group 1">
             <a:extLst>
               <a:ext uri="{FF2B5EF4-FFF2-40B4-BE49-F238E27FC236}">
-                <a16:creationId xmlns:a16="http://schemas.microsoft.com/office/drawing/2014/main" id="{A5176F3D-91DC-555A-C8E8-599E1E5823B9}"/>
+                <a16:creationId xmlns:a16="http://schemas.microsoft.com/office/drawing/2014/main" id="{B358D910-3339-BA80-D555-5E0173D93FDD}"/>
               </a:ext>
             </a:extLst>
           </p:cNvPr>
@@ -31669,7 +32255,7 @@
         </p:nvGrpSpPr>
         <p:grpSpPr>
           <a:xfrm>
-            <a:off x="755576" y="2113081"/>
+            <a:off x="719572" y="2348880"/>
             <a:ext cx="4608394" cy="3446244"/>
             <a:chOff x="755576" y="2113081"/>
             <a:chExt cx="4608394" cy="3446244"/>
@@ -31736,10 +32322,114 @@
           </p:spPr>
         </p:pic>
       </p:grpSp>
+      <p:sp>
+        <p:nvSpPr>
+          <p:cNvPr id="9" name="Rectángulo 8">
+            <a:extLst>
+              <a:ext uri="{FF2B5EF4-FFF2-40B4-BE49-F238E27FC236}">
+                <a16:creationId xmlns:a16="http://schemas.microsoft.com/office/drawing/2014/main" id="{1CBA03B3-59BA-9474-EBB9-D0E4438AFB83}"/>
+              </a:ext>
+            </a:extLst>
+          </p:cNvPr>
+          <p:cNvSpPr/>
+          <p:nvPr/>
+        </p:nvSpPr>
+        <p:spPr>
+          <a:xfrm>
+            <a:off x="719572" y="1310045"/>
+            <a:ext cx="7812868" cy="679087"/>
+          </a:xfrm>
+          <a:prstGeom prst="rect">
+            <a:avLst/>
+          </a:prstGeom>
+          <a:noFill/>
+          <a:ln>
+            <a:solidFill>
+              <a:srgbClr val="0070C0"/>
+            </a:solidFill>
+          </a:ln>
+        </p:spPr>
+        <p:style>
+          <a:lnRef idx="2">
+            <a:schemeClr val="accent1">
+              <a:shade val="15000"/>
+            </a:schemeClr>
+          </a:lnRef>
+          <a:fillRef idx="1">
+            <a:schemeClr val="accent1"/>
+          </a:fillRef>
+          <a:effectRef idx="0">
+            <a:schemeClr val="accent1"/>
+          </a:effectRef>
+          <a:fontRef idx="minor">
+            <a:schemeClr val="lt1"/>
+          </a:fontRef>
+        </p:style>
+        <p:txBody>
+          <a:bodyPr rtlCol="0" anchor="ctr"/>
+          <a:lstStyle/>
+          <a:p>
+            <a:pPr algn="ctr"/>
+            <a:endParaRPr lang="es-MX"/>
+          </a:p>
+        </p:txBody>
+      </p:sp>
+      <p:sp>
+        <p:nvSpPr>
+          <p:cNvPr id="10" name="Rectángulo 9">
+            <a:extLst>
+              <a:ext uri="{FF2B5EF4-FFF2-40B4-BE49-F238E27FC236}">
+                <a16:creationId xmlns:a16="http://schemas.microsoft.com/office/drawing/2014/main" id="{51AC97C2-1693-AAC7-7F54-CD4C2B05FFEB}"/>
+              </a:ext>
+            </a:extLst>
+          </p:cNvPr>
+          <p:cNvSpPr/>
+          <p:nvPr/>
+        </p:nvSpPr>
+        <p:spPr>
+          <a:xfrm>
+            <a:off x="5004048" y="2924944"/>
+            <a:ext cx="3528392" cy="1468607"/>
+          </a:xfrm>
+          <a:prstGeom prst="rect">
+            <a:avLst/>
+          </a:prstGeom>
+          <a:noFill/>
+          <a:ln>
+            <a:solidFill>
+              <a:srgbClr val="0070C0"/>
+            </a:solidFill>
+          </a:ln>
+        </p:spPr>
+        <p:style>
+          <a:lnRef idx="2">
+            <a:schemeClr val="accent1">
+              <a:shade val="15000"/>
+            </a:schemeClr>
+          </a:lnRef>
+          <a:fillRef idx="1">
+            <a:schemeClr val="accent1"/>
+          </a:fillRef>
+          <a:effectRef idx="0">
+            <a:schemeClr val="accent1"/>
+          </a:effectRef>
+          <a:fontRef idx="minor">
+            <a:schemeClr val="lt1"/>
+          </a:fontRef>
+        </p:style>
+        <p:txBody>
+          <a:bodyPr rtlCol="0" anchor="ctr"/>
+          <a:lstStyle/>
+          <a:p>
+            <a:pPr algn="ctr"/>
+            <a:endParaRPr lang="es-MX"/>
+          </a:p>
+        </p:txBody>
+      </p:sp>
     </p:spTree>
     <p:extLst>
       <p:ext uri="{BB962C8B-B14F-4D97-AF65-F5344CB8AC3E}">
-        <p14:creationId xmlns:p14="http://schemas.microsoft.com/office/powerpoint/2010/main" val="699657367"/>
+        <p14:creationId xmlns:p14="http://schemas.microsoft.com/office/powerpoint/2010/main" val="3145197380"/>
       </p:ext>
     </p:extLst>
   </p:cSld>
@@ -31750,6 +32440,172 @@
 </file>
 
 <file path=ppt/slides/slide57.xml><?xml version="1.0" encoding="utf-8"?>
+<p:sld xmlns:a="http://schemas.openxmlformats.org/drawingml/2006/main" xmlns:r="http://schemas.openxmlformats.org/officeDocument/2006/relationships" xmlns:p="http://schemas.openxmlformats.org/presentationml/2006/main">
+  <p:cSld>
+    <p:spTree>
+      <p:nvGrpSpPr>
+        <p:cNvPr id="1" name="">
+          <a:extLst>
+            <a:ext uri="{FF2B5EF4-FFF2-40B4-BE49-F238E27FC236}">
+              <a16:creationId xmlns:a16="http://schemas.microsoft.com/office/drawing/2014/main" id="{9F59E1B4-2F09-F001-D4DD-BC839F4CA833}"/>
+            </a:ext>
+          </a:extLst>
+        </p:cNvPr>
+        <p:cNvGrpSpPr/>
+        <p:nvPr/>
+      </p:nvGrpSpPr>
+      <p:grpSpPr>
+        <a:xfrm>
+          <a:off x="0" y="0"/>
+          <a:ext cx="0" cy="0"/>
+          <a:chOff x="0" y="0"/>
+          <a:chExt cx="0" cy="0"/>
+        </a:xfrm>
+      </p:grpSpPr>
+      <p:sp>
+        <p:nvSpPr>
+          <p:cNvPr id="6" name="Rectangle 2">
+            <a:extLst>
+              <a:ext uri="{FF2B5EF4-FFF2-40B4-BE49-F238E27FC236}">
+                <a16:creationId xmlns:a16="http://schemas.microsoft.com/office/drawing/2014/main" id="{0BE8A8E1-C316-CD4A-7323-467EA59595C9}"/>
+              </a:ext>
+            </a:extLst>
+          </p:cNvPr>
+          <p:cNvSpPr>
+            <a:spLocks noGrp="1" noChangeArrowheads="1"/>
+          </p:cNvSpPr>
+          <p:nvPr>
+            <p:ph type="title"/>
+          </p:nvPr>
+        </p:nvSpPr>
+        <p:spPr>
+          <a:xfrm>
+            <a:off x="899592" y="188640"/>
+            <a:ext cx="7174879" cy="1143001"/>
+          </a:xfrm>
+        </p:spPr>
+        <p:txBody>
+          <a:bodyPr>
+            <a:normAutofit/>
+          </a:bodyPr>
+          <a:lstStyle/>
+          <a:p>
+            <a:pPr algn="ctr"/>
+            <a:r>
+              <a:rPr lang="es-ES_tradnl" altLang="es-MX" b="1" dirty="0">
+                <a:solidFill>
+                  <a:schemeClr val="accent4">
+                    <a:lumMod val="50000"/>
+                  </a:schemeClr>
+                </a:solidFill>
+                <a:effectLst>
+                  <a:outerShdw blurRad="38100" dist="38100" dir="2700000" algn="tl">
+                    <a:srgbClr val="C0C0C0"/>
+                  </a:outerShdw>
+                </a:effectLst>
+                <a:latin typeface="Dom Casual" charset="0"/>
+              </a:rPr>
+              <a:t>Comprueba tus resultados</a:t>
+            </a:r>
+          </a:p>
+        </p:txBody>
+      </p:sp>
+      <p:sp>
+        <p:nvSpPr>
+          <p:cNvPr id="10" name="Rectángulo 9">
+            <a:extLst>
+              <a:ext uri="{FF2B5EF4-FFF2-40B4-BE49-F238E27FC236}">
+                <a16:creationId xmlns:a16="http://schemas.microsoft.com/office/drawing/2014/main" id="{4154B73E-4779-7BDC-7A99-13723CD4D474}"/>
+              </a:ext>
+            </a:extLst>
+          </p:cNvPr>
+          <p:cNvSpPr/>
+          <p:nvPr/>
+        </p:nvSpPr>
+        <p:spPr>
+          <a:xfrm>
+            <a:off x="1619672" y="1484784"/>
+            <a:ext cx="5832648" cy="4104456"/>
+          </a:xfrm>
+          <a:prstGeom prst="rect">
+            <a:avLst/>
+          </a:prstGeom>
+          <a:noFill/>
+          <a:ln>
+            <a:solidFill>
+              <a:srgbClr val="0070C0"/>
+            </a:solidFill>
+          </a:ln>
+        </p:spPr>
+        <p:style>
+          <a:lnRef idx="2">
+            <a:schemeClr val="accent1">
+              <a:shade val="15000"/>
+            </a:schemeClr>
+          </a:lnRef>
+          <a:fillRef idx="1">
+            <a:schemeClr val="accent1"/>
+          </a:fillRef>
+          <a:effectRef idx="0">
+            <a:schemeClr val="accent1"/>
+          </a:effectRef>
+          <a:fontRef idx="minor">
+            <a:schemeClr val="lt1"/>
+          </a:fontRef>
+        </p:style>
+        <p:txBody>
+          <a:bodyPr rtlCol="0" anchor="ctr"/>
+          <a:lstStyle/>
+          <a:p>
+            <a:pPr algn="ctr"/>
+            <a:endParaRPr lang="es-MX"/>
+          </a:p>
+        </p:txBody>
+      </p:sp>
+      <p:pic>
+        <p:nvPicPr>
+          <p:cNvPr id="13" name="Imagen 12">
+            <a:extLst>
+              <a:ext uri="{FF2B5EF4-FFF2-40B4-BE49-F238E27FC236}">
+                <a16:creationId xmlns:a16="http://schemas.microsoft.com/office/drawing/2014/main" id="{76AE8386-A41B-E1D0-46EC-D8EC5C8FB33C}"/>
+              </a:ext>
+            </a:extLst>
+          </p:cNvPr>
+          <p:cNvPicPr>
+            <a:picLocks noChangeAspect="1"/>
+          </p:cNvPicPr>
+          <p:nvPr/>
+        </p:nvPicPr>
+        <p:blipFill>
+          <a:blip r:embed="rId2"/>
+          <a:stretch>
+            <a:fillRect/>
+          </a:stretch>
+        </p:blipFill>
+        <p:spPr>
+          <a:xfrm>
+            <a:off x="1907704" y="1628800"/>
+            <a:ext cx="5268060" cy="3753374"/>
+          </a:xfrm>
+          <a:prstGeom prst="rect">
+            <a:avLst/>
+          </a:prstGeom>
+        </p:spPr>
+      </p:pic>
+    </p:spTree>
+    <p:extLst>
+      <p:ext uri="{BB962C8B-B14F-4D97-AF65-F5344CB8AC3E}">
+        <p14:creationId xmlns:p14="http://schemas.microsoft.com/office/powerpoint/2010/main" val="1529927900"/>
+      </p:ext>
+    </p:extLst>
+  </p:cSld>
+  <p:clrMapOvr>
+    <a:masterClrMapping/>
+  </p:clrMapOvr>
+</p:sld>
+</file>
+
+<file path=ppt/slides/slide58.xml><?xml version="1.0" encoding="utf-8"?>
 <p:sld xmlns:a="http://schemas.openxmlformats.org/drawingml/2006/main" xmlns:r="http://schemas.openxmlformats.org/officeDocument/2006/relationships" xmlns:p="http://schemas.openxmlformats.org/presentationml/2006/main">
   <p:cSld>
     <p:spTree>
